--- a/Presentations/Presentation_Ass3.pptx
+++ b/Presentations/Presentation_Ass3.pptx
@@ -838,7 +838,7 @@
           <a:p>
             <a:fld id="{A240C9F8-E7B7-43CA-A06A-88520AE89FD3}" type="datetimeFigureOut">
               <a:rPr lang="it-IT" smtClean="0"/>
-              <a:t>31/03/2022</a:t>
+              <a:t>22/04/2022</a:t>
             </a:fld>
             <a:endParaRPr lang="it-IT"/>
           </a:p>
@@ -1089,7 +1089,7 @@
           <a:p>
             <a:fld id="{A240C9F8-E7B7-43CA-A06A-88520AE89FD3}" type="datetimeFigureOut">
               <a:rPr lang="it-IT" smtClean="0"/>
-              <a:t>31/03/2022</a:t>
+              <a:t>22/04/2022</a:t>
             </a:fld>
             <a:endParaRPr lang="it-IT"/>
           </a:p>
@@ -1403,7 +1403,7 @@
           <a:p>
             <a:fld id="{A240C9F8-E7B7-43CA-A06A-88520AE89FD3}" type="datetimeFigureOut">
               <a:rPr lang="it-IT" smtClean="0"/>
-              <a:t>31/03/2022</a:t>
+              <a:t>22/04/2022</a:t>
             </a:fld>
             <a:endParaRPr lang="it-IT"/>
           </a:p>
@@ -1744,7 +1744,7 @@
           <a:p>
             <a:fld id="{A240C9F8-E7B7-43CA-A06A-88520AE89FD3}" type="datetimeFigureOut">
               <a:rPr lang="it-IT" smtClean="0"/>
-              <a:t>31/03/2022</a:t>
+              <a:t>22/04/2022</a:t>
             </a:fld>
             <a:endParaRPr lang="it-IT"/>
           </a:p>
@@ -2058,7 +2058,7 @@
           <a:p>
             <a:fld id="{A240C9F8-E7B7-43CA-A06A-88520AE89FD3}" type="datetimeFigureOut">
               <a:rPr lang="it-IT" smtClean="0"/>
-              <a:t>31/03/2022</a:t>
+              <a:t>22/04/2022</a:t>
             </a:fld>
             <a:endParaRPr lang="it-IT"/>
           </a:p>
@@ -2451,7 +2451,7 @@
           <a:p>
             <a:fld id="{A240C9F8-E7B7-43CA-A06A-88520AE89FD3}" type="datetimeFigureOut">
               <a:rPr lang="it-IT" smtClean="0"/>
-              <a:t>31/03/2022</a:t>
+              <a:t>22/04/2022</a:t>
             </a:fld>
             <a:endParaRPr lang="it-IT"/>
           </a:p>
@@ -2621,7 +2621,7 @@
           <a:p>
             <a:fld id="{A240C9F8-E7B7-43CA-A06A-88520AE89FD3}" type="datetimeFigureOut">
               <a:rPr lang="it-IT" smtClean="0"/>
-              <a:t>31/03/2022</a:t>
+              <a:t>22/04/2022</a:t>
             </a:fld>
             <a:endParaRPr lang="it-IT"/>
           </a:p>
@@ -2801,7 +2801,7 @@
           <a:p>
             <a:fld id="{A240C9F8-E7B7-43CA-A06A-88520AE89FD3}" type="datetimeFigureOut">
               <a:rPr lang="it-IT" smtClean="0"/>
-              <a:t>31/03/2022</a:t>
+              <a:t>22/04/2022</a:t>
             </a:fld>
             <a:endParaRPr lang="it-IT"/>
           </a:p>
@@ -2977,7 +2977,7 @@
           <a:p>
             <a:fld id="{A240C9F8-E7B7-43CA-A06A-88520AE89FD3}" type="datetimeFigureOut">
               <a:rPr lang="it-IT" smtClean="0"/>
-              <a:t>31/03/2022</a:t>
+              <a:t>22/04/2022</a:t>
             </a:fld>
             <a:endParaRPr lang="it-IT"/>
           </a:p>
@@ -3224,7 +3224,7 @@
           <a:p>
             <a:fld id="{A240C9F8-E7B7-43CA-A06A-88520AE89FD3}" type="datetimeFigureOut">
               <a:rPr lang="it-IT" smtClean="0"/>
-              <a:t>31/03/2022</a:t>
+              <a:t>22/04/2022</a:t>
             </a:fld>
             <a:endParaRPr lang="it-IT"/>
           </a:p>
@@ -3456,7 +3456,7 @@
           <a:p>
             <a:fld id="{A240C9F8-E7B7-43CA-A06A-88520AE89FD3}" type="datetimeFigureOut">
               <a:rPr lang="it-IT" smtClean="0"/>
-              <a:t>31/03/2022</a:t>
+              <a:t>22/04/2022</a:t>
             </a:fld>
             <a:endParaRPr lang="it-IT"/>
           </a:p>
@@ -3830,7 +3830,7 @@
           <a:p>
             <a:fld id="{A240C9F8-E7B7-43CA-A06A-88520AE89FD3}" type="datetimeFigureOut">
               <a:rPr lang="it-IT" smtClean="0"/>
-              <a:t>31/03/2022</a:t>
+              <a:t>22/04/2022</a:t>
             </a:fld>
             <a:endParaRPr lang="it-IT"/>
           </a:p>
@@ -3953,7 +3953,7 @@
           <a:p>
             <a:fld id="{A240C9F8-E7B7-43CA-A06A-88520AE89FD3}" type="datetimeFigureOut">
               <a:rPr lang="it-IT" smtClean="0"/>
-              <a:t>31/03/2022</a:t>
+              <a:t>22/04/2022</a:t>
             </a:fld>
             <a:endParaRPr lang="it-IT"/>
           </a:p>
@@ -4048,7 +4048,7 @@
           <a:p>
             <a:fld id="{A240C9F8-E7B7-43CA-A06A-88520AE89FD3}" type="datetimeFigureOut">
               <a:rPr lang="it-IT" smtClean="0"/>
-              <a:t>31/03/2022</a:t>
+              <a:t>22/04/2022</a:t>
             </a:fld>
             <a:endParaRPr lang="it-IT"/>
           </a:p>
@@ -4303,7 +4303,7 @@
           <a:p>
             <a:fld id="{A240C9F8-E7B7-43CA-A06A-88520AE89FD3}" type="datetimeFigureOut">
               <a:rPr lang="it-IT" smtClean="0"/>
-              <a:t>31/03/2022</a:t>
+              <a:t>22/04/2022</a:t>
             </a:fld>
             <a:endParaRPr lang="it-IT"/>
           </a:p>
@@ -4566,7 +4566,7 @@
           <a:p>
             <a:fld id="{A240C9F8-E7B7-43CA-A06A-88520AE89FD3}" type="datetimeFigureOut">
               <a:rPr lang="it-IT" smtClean="0"/>
-              <a:t>31/03/2022</a:t>
+              <a:t>22/04/2022</a:t>
             </a:fld>
             <a:endParaRPr lang="it-IT"/>
           </a:p>
@@ -5309,7 +5309,7 @@
           <a:p>
             <a:fld id="{A240C9F8-E7B7-43CA-A06A-88520AE89FD3}" type="datetimeFigureOut">
               <a:rPr lang="it-IT" smtClean="0"/>
-              <a:t>31/03/2022</a:t>
+              <a:t>22/04/2022</a:t>
             </a:fld>
             <a:endParaRPr lang="it-IT"/>
           </a:p>
@@ -6435,7 +6435,7 @@
                   <a:schemeClr val="tx1"/>
                 </a:solidFill>
               </a:rPr>
-              <a:t> La linea di partenza è l’ultima riga in basso</a:t>
+              <a:t>La linea di partenza è l’ultima riga in basso</a:t>
             </a:r>
           </a:p>
         </p:txBody>
@@ -6714,30 +6714,9 @@
             </a:endParaRPr>
           </a:p>
           <a:p>
-            <a:r>
-              <a:rPr lang="it-IT" dirty="0">
-                <a:solidFill>
-                  <a:schemeClr val="tx1"/>
-                </a:solidFill>
-              </a:rPr>
-              <a:t>Metodo On-Policy con </a:t>
-            </a:r>
-            <a:r>
-              <a:rPr lang="it-IT" dirty="0" err="1">
-                <a:solidFill>
-                  <a:schemeClr val="tx1"/>
-                </a:solidFill>
-              </a:rPr>
-              <a:t>exploring</a:t>
-            </a:r>
-            <a:r>
-              <a:rPr lang="it-IT" dirty="0">
-                <a:solidFill>
-                  <a:schemeClr val="tx1"/>
-                </a:solidFill>
-              </a:rPr>
-              <a:t> start</a:t>
-            </a:r>
+            <a:pPr marL="0" indent="0">
+              <a:buNone/>
+            </a:pPr>
             <a:br>
               <a:rPr lang="it-IT" dirty="0">
                 <a:solidFill>

--- a/Presentations/Presentation_Ass3.pptx
+++ b/Presentations/Presentation_Ass3.pptx
@@ -838,7 +838,7 @@
           <a:p>
             <a:fld id="{A240C9F8-E7B7-43CA-A06A-88520AE89FD3}" type="datetimeFigureOut">
               <a:rPr lang="it-IT" smtClean="0"/>
-              <a:t>22/04/2022</a:t>
+              <a:t>23/04/2022</a:t>
             </a:fld>
             <a:endParaRPr lang="it-IT"/>
           </a:p>
@@ -1089,7 +1089,7 @@
           <a:p>
             <a:fld id="{A240C9F8-E7B7-43CA-A06A-88520AE89FD3}" type="datetimeFigureOut">
               <a:rPr lang="it-IT" smtClean="0"/>
-              <a:t>22/04/2022</a:t>
+              <a:t>23/04/2022</a:t>
             </a:fld>
             <a:endParaRPr lang="it-IT"/>
           </a:p>
@@ -1403,7 +1403,7 @@
           <a:p>
             <a:fld id="{A240C9F8-E7B7-43CA-A06A-88520AE89FD3}" type="datetimeFigureOut">
               <a:rPr lang="it-IT" smtClean="0"/>
-              <a:t>22/04/2022</a:t>
+              <a:t>23/04/2022</a:t>
             </a:fld>
             <a:endParaRPr lang="it-IT"/>
           </a:p>
@@ -1744,7 +1744,7 @@
           <a:p>
             <a:fld id="{A240C9F8-E7B7-43CA-A06A-88520AE89FD3}" type="datetimeFigureOut">
               <a:rPr lang="it-IT" smtClean="0"/>
-              <a:t>22/04/2022</a:t>
+              <a:t>23/04/2022</a:t>
             </a:fld>
             <a:endParaRPr lang="it-IT"/>
           </a:p>
@@ -2058,7 +2058,7 @@
           <a:p>
             <a:fld id="{A240C9F8-E7B7-43CA-A06A-88520AE89FD3}" type="datetimeFigureOut">
               <a:rPr lang="it-IT" smtClean="0"/>
-              <a:t>22/04/2022</a:t>
+              <a:t>23/04/2022</a:t>
             </a:fld>
             <a:endParaRPr lang="it-IT"/>
           </a:p>
@@ -2451,7 +2451,7 @@
           <a:p>
             <a:fld id="{A240C9F8-E7B7-43CA-A06A-88520AE89FD3}" type="datetimeFigureOut">
               <a:rPr lang="it-IT" smtClean="0"/>
-              <a:t>22/04/2022</a:t>
+              <a:t>23/04/2022</a:t>
             </a:fld>
             <a:endParaRPr lang="it-IT"/>
           </a:p>
@@ -2621,7 +2621,7 @@
           <a:p>
             <a:fld id="{A240C9F8-E7B7-43CA-A06A-88520AE89FD3}" type="datetimeFigureOut">
               <a:rPr lang="it-IT" smtClean="0"/>
-              <a:t>22/04/2022</a:t>
+              <a:t>23/04/2022</a:t>
             </a:fld>
             <a:endParaRPr lang="it-IT"/>
           </a:p>
@@ -2801,7 +2801,7 @@
           <a:p>
             <a:fld id="{A240C9F8-E7B7-43CA-A06A-88520AE89FD3}" type="datetimeFigureOut">
               <a:rPr lang="it-IT" smtClean="0"/>
-              <a:t>22/04/2022</a:t>
+              <a:t>23/04/2022</a:t>
             </a:fld>
             <a:endParaRPr lang="it-IT"/>
           </a:p>
@@ -2977,7 +2977,7 @@
           <a:p>
             <a:fld id="{A240C9F8-E7B7-43CA-A06A-88520AE89FD3}" type="datetimeFigureOut">
               <a:rPr lang="it-IT" smtClean="0"/>
-              <a:t>22/04/2022</a:t>
+              <a:t>23/04/2022</a:t>
             </a:fld>
             <a:endParaRPr lang="it-IT"/>
           </a:p>
@@ -3224,7 +3224,7 @@
           <a:p>
             <a:fld id="{A240C9F8-E7B7-43CA-A06A-88520AE89FD3}" type="datetimeFigureOut">
               <a:rPr lang="it-IT" smtClean="0"/>
-              <a:t>22/04/2022</a:t>
+              <a:t>23/04/2022</a:t>
             </a:fld>
             <a:endParaRPr lang="it-IT"/>
           </a:p>
@@ -3456,7 +3456,7 @@
           <a:p>
             <a:fld id="{A240C9F8-E7B7-43CA-A06A-88520AE89FD3}" type="datetimeFigureOut">
               <a:rPr lang="it-IT" smtClean="0"/>
-              <a:t>22/04/2022</a:t>
+              <a:t>23/04/2022</a:t>
             </a:fld>
             <a:endParaRPr lang="it-IT"/>
           </a:p>
@@ -3830,7 +3830,7 @@
           <a:p>
             <a:fld id="{A240C9F8-E7B7-43CA-A06A-88520AE89FD3}" type="datetimeFigureOut">
               <a:rPr lang="it-IT" smtClean="0"/>
-              <a:t>22/04/2022</a:t>
+              <a:t>23/04/2022</a:t>
             </a:fld>
             <a:endParaRPr lang="it-IT"/>
           </a:p>
@@ -3953,7 +3953,7 @@
           <a:p>
             <a:fld id="{A240C9F8-E7B7-43CA-A06A-88520AE89FD3}" type="datetimeFigureOut">
               <a:rPr lang="it-IT" smtClean="0"/>
-              <a:t>22/04/2022</a:t>
+              <a:t>23/04/2022</a:t>
             </a:fld>
             <a:endParaRPr lang="it-IT"/>
           </a:p>
@@ -4048,7 +4048,7 @@
           <a:p>
             <a:fld id="{A240C9F8-E7B7-43CA-A06A-88520AE89FD3}" type="datetimeFigureOut">
               <a:rPr lang="it-IT" smtClean="0"/>
-              <a:t>22/04/2022</a:t>
+              <a:t>23/04/2022</a:t>
             </a:fld>
             <a:endParaRPr lang="it-IT"/>
           </a:p>
@@ -4303,7 +4303,7 @@
           <a:p>
             <a:fld id="{A240C9F8-E7B7-43CA-A06A-88520AE89FD3}" type="datetimeFigureOut">
               <a:rPr lang="it-IT" smtClean="0"/>
-              <a:t>22/04/2022</a:t>
+              <a:t>23/04/2022</a:t>
             </a:fld>
             <a:endParaRPr lang="it-IT"/>
           </a:p>
@@ -4566,7 +4566,7 @@
           <a:p>
             <a:fld id="{A240C9F8-E7B7-43CA-A06A-88520AE89FD3}" type="datetimeFigureOut">
               <a:rPr lang="it-IT" smtClean="0"/>
-              <a:t>22/04/2022</a:t>
+              <a:t>23/04/2022</a:t>
             </a:fld>
             <a:endParaRPr lang="it-IT"/>
           </a:p>
@@ -5309,7 +5309,7 @@
           <a:p>
             <a:fld id="{A240C9F8-E7B7-43CA-A06A-88520AE89FD3}" type="datetimeFigureOut">
               <a:rPr lang="it-IT" smtClean="0"/>
-              <a:t>22/04/2022</a:t>
+              <a:t>23/04/2022</a:t>
             </a:fld>
             <a:endParaRPr lang="it-IT"/>
           </a:p>
@@ -6637,7 +6637,9 @@
           </a:xfrm>
         </p:spPr>
         <p:txBody>
-          <a:bodyPr/>
+          <a:bodyPr>
+            <a:normAutofit lnSpcReduction="10000"/>
+          </a:bodyPr>
           <a:lstStyle/>
           <a:p>
             <a:r>
@@ -6699,6 +6701,60 @@
                 </a:solidFill>
               </a:rPr>
               <a:t>Solo per task episodici</a:t>
+            </a:r>
+            <a:br>
+              <a:rPr lang="it-IT" dirty="0">
+                <a:solidFill>
+                  <a:schemeClr val="tx1"/>
+                </a:solidFill>
+              </a:rPr>
+            </a:br>
+            <a:endParaRPr lang="it-IT" dirty="0">
+              <a:solidFill>
+                <a:schemeClr val="tx1"/>
+              </a:solidFill>
+            </a:endParaRPr>
+          </a:p>
+          <a:p>
+            <a:r>
+              <a:rPr lang="it-IT" dirty="0" err="1">
+                <a:solidFill>
+                  <a:schemeClr val="tx1"/>
+                </a:solidFill>
+              </a:rPr>
+              <a:t>Exploring</a:t>
+            </a:r>
+            <a:r>
+              <a:rPr lang="it-IT" dirty="0">
+                <a:solidFill>
+                  <a:schemeClr val="tx1"/>
+                </a:solidFill>
+              </a:rPr>
+              <a:t> start o utilizzo policy  </a:t>
+            </a:r>
+            <a:r>
+              <a:rPr lang="el-GR" dirty="0">
+                <a:solidFill>
+                  <a:schemeClr val="tx1"/>
+                </a:solidFill>
+              </a:rPr>
+              <a:t>ε</a:t>
+            </a:r>
+            <a:r>
+              <a:rPr lang="it-IT" dirty="0">
+                <a:solidFill>
+                  <a:schemeClr val="tx1"/>
+                </a:solidFill>
+              </a:rPr>
+              <a:t>-</a:t>
+            </a:r>
+            <a:r>
+              <a:rPr lang="it-IT" dirty="0" err="1">
+                <a:solidFill>
+                  <a:schemeClr val="tx1"/>
+                </a:solidFill>
+              </a:rPr>
+              <a:t>greedy</a:t>
             </a:r>
             <a:br>
               <a:rPr lang="it-IT" dirty="0">
